--- a/사이트맵.pptx
+++ b/사이트맵.pptx
@@ -106,6 +106,11 @@
       </a:defRPr>
     </a:lvl9pPr>
   </p:defaultTextStyle>
+  <p:extLst>
+    <p:ext uri="{EFAFB233-063F-42B5-8137-9DF3F51BA10A}">
+      <p15:sldGuideLst xmlns:p15="http://schemas.microsoft.com/office/powerpoint/2012/main"/>
+    </p:ext>
+  </p:extLst>
 </p:presentation>
 </file>
 
@@ -240,7 +245,7 @@
           <a:p>
             <a:fld id="{A98C06C8-6C15-49F4-9F69-D7380F66DC20}" type="datetimeFigureOut">
               <a:rPr lang="ko-KR" altLang="en-US" smtClean="0"/>
-              <a:t>2020-01-30</a:t>
+              <a:t>2020-01-31</a:t>
             </a:fld>
             <a:endParaRPr lang="ko-KR" altLang="en-US"/>
           </a:p>
@@ -410,7 +415,7 @@
           <a:p>
             <a:fld id="{A98C06C8-6C15-49F4-9F69-D7380F66DC20}" type="datetimeFigureOut">
               <a:rPr lang="ko-KR" altLang="en-US" smtClean="0"/>
-              <a:t>2020-01-30</a:t>
+              <a:t>2020-01-31</a:t>
             </a:fld>
             <a:endParaRPr lang="ko-KR" altLang="en-US"/>
           </a:p>
@@ -590,7 +595,7 @@
           <a:p>
             <a:fld id="{A98C06C8-6C15-49F4-9F69-D7380F66DC20}" type="datetimeFigureOut">
               <a:rPr lang="ko-KR" altLang="en-US" smtClean="0"/>
-              <a:t>2020-01-30</a:t>
+              <a:t>2020-01-31</a:t>
             </a:fld>
             <a:endParaRPr lang="ko-KR" altLang="en-US"/>
           </a:p>
@@ -760,7 +765,7 @@
           <a:p>
             <a:fld id="{A98C06C8-6C15-49F4-9F69-D7380F66DC20}" type="datetimeFigureOut">
               <a:rPr lang="ko-KR" altLang="en-US" smtClean="0"/>
-              <a:t>2020-01-30</a:t>
+              <a:t>2020-01-31</a:t>
             </a:fld>
             <a:endParaRPr lang="ko-KR" altLang="en-US"/>
           </a:p>
@@ -1006,7 +1011,7 @@
           <a:p>
             <a:fld id="{A98C06C8-6C15-49F4-9F69-D7380F66DC20}" type="datetimeFigureOut">
               <a:rPr lang="ko-KR" altLang="en-US" smtClean="0"/>
-              <a:t>2020-01-30</a:t>
+              <a:t>2020-01-31</a:t>
             </a:fld>
             <a:endParaRPr lang="ko-KR" altLang="en-US"/>
           </a:p>
@@ -1238,7 +1243,7 @@
           <a:p>
             <a:fld id="{A98C06C8-6C15-49F4-9F69-D7380F66DC20}" type="datetimeFigureOut">
               <a:rPr lang="ko-KR" altLang="en-US" smtClean="0"/>
-              <a:t>2020-01-30</a:t>
+              <a:t>2020-01-31</a:t>
             </a:fld>
             <a:endParaRPr lang="ko-KR" altLang="en-US"/>
           </a:p>
@@ -1605,7 +1610,7 @@
           <a:p>
             <a:fld id="{A98C06C8-6C15-49F4-9F69-D7380F66DC20}" type="datetimeFigureOut">
               <a:rPr lang="ko-KR" altLang="en-US" smtClean="0"/>
-              <a:t>2020-01-30</a:t>
+              <a:t>2020-01-31</a:t>
             </a:fld>
             <a:endParaRPr lang="ko-KR" altLang="en-US"/>
           </a:p>
@@ -1723,7 +1728,7 @@
           <a:p>
             <a:fld id="{A98C06C8-6C15-49F4-9F69-D7380F66DC20}" type="datetimeFigureOut">
               <a:rPr lang="ko-KR" altLang="en-US" smtClean="0"/>
-              <a:t>2020-01-30</a:t>
+              <a:t>2020-01-31</a:t>
             </a:fld>
             <a:endParaRPr lang="ko-KR" altLang="en-US"/>
           </a:p>
@@ -1818,7 +1823,7 @@
           <a:p>
             <a:fld id="{A98C06C8-6C15-49F4-9F69-D7380F66DC20}" type="datetimeFigureOut">
               <a:rPr lang="ko-KR" altLang="en-US" smtClean="0"/>
-              <a:t>2020-01-30</a:t>
+              <a:t>2020-01-31</a:t>
             </a:fld>
             <a:endParaRPr lang="ko-KR" altLang="en-US"/>
           </a:p>
@@ -2095,7 +2100,7 @@
           <a:p>
             <a:fld id="{A98C06C8-6C15-49F4-9F69-D7380F66DC20}" type="datetimeFigureOut">
               <a:rPr lang="ko-KR" altLang="en-US" smtClean="0"/>
-              <a:t>2020-01-30</a:t>
+              <a:t>2020-01-31</a:t>
             </a:fld>
             <a:endParaRPr lang="ko-KR" altLang="en-US"/>
           </a:p>
@@ -2348,7 +2353,7 @@
           <a:p>
             <a:fld id="{A98C06C8-6C15-49F4-9F69-D7380F66DC20}" type="datetimeFigureOut">
               <a:rPr lang="ko-KR" altLang="en-US" smtClean="0"/>
-              <a:t>2020-01-30</a:t>
+              <a:t>2020-01-31</a:t>
             </a:fld>
             <a:endParaRPr lang="ko-KR" altLang="en-US"/>
           </a:p>
@@ -2561,7 +2566,7 @@
           <a:p>
             <a:fld id="{A98C06C8-6C15-49F4-9F69-D7380F66DC20}" type="datetimeFigureOut">
               <a:rPr lang="ko-KR" altLang="en-US" smtClean="0"/>
-              <a:t>2020-01-30</a:t>
+              <a:t>2020-01-31</a:t>
             </a:fld>
             <a:endParaRPr lang="ko-KR" altLang="en-US"/>
           </a:p>
@@ -3094,11 +3099,7 @@
             <a:p>
               <a:r>
                 <a:rPr lang="ko-KR" altLang="en-US" sz="1600" dirty="0" smtClean="0"/>
-                <a:t>아르바이</a:t>
-              </a:r>
-              <a:r>
-                <a:rPr lang="ko-KR" altLang="en-US" sz="1600" dirty="0" smtClean="0"/>
-                <a:t>트</a:t>
+                <a:t>아르바이트</a:t>
               </a:r>
               <a:endParaRPr lang="en-US" altLang="ko-KR" sz="1600" dirty="0" smtClean="0"/>
             </a:p>
@@ -6708,7 +6709,7 @@
             <a:lstStyle/>
             <a:p>
               <a:r>
-                <a:rPr lang="ko-KR" altLang="en-US" sz="1600" smtClean="0"/>
+                <a:rPr lang="ko-KR" altLang="en-US" sz="1600" dirty="0" smtClean="0"/>
                 <a:t>우체국</a:t>
               </a:r>
               <a:endParaRPr lang="en-US" altLang="ko-KR" sz="1600" dirty="0" smtClean="0"/>
@@ -6753,7 +6754,7 @@
           </p:nvSpPr>
           <p:spPr>
             <a:xfrm>
-              <a:off x="6536231" y="3826184"/>
+              <a:off x="6571116" y="3826184"/>
               <a:ext cx="810552" cy="338554"/>
             </a:xfrm>
             <a:prstGeom prst="rect">

--- a/사이트맵.pptx
+++ b/사이트맵.pptx
@@ -6754,7 +6754,7 @@
           </p:nvSpPr>
           <p:spPr>
             <a:xfrm>
-              <a:off x="6571116" y="3826184"/>
+              <a:off x="6509673" y="3807122"/>
               <a:ext cx="810552" cy="338554"/>
             </a:xfrm>
             <a:prstGeom prst="rect">
